--- a/presentation/TEAM Blue Sprint #9.pptx
+++ b/presentation/TEAM Blue Sprint #9.pptx
@@ -789,7 +789,7 @@
   <p:cSld>
     <p:spTree>
       <p:nvGrpSpPr>
-        <p:cNvPr id="72" name="Shape 72"/>
+        <p:cNvPr id="71" name="Shape 71"/>
         <p:cNvGrpSpPr/>
         <p:nvPr/>
       </p:nvGrpSpPr>
@@ -803,7 +803,7 @@
       </p:grpSpPr>
       <p:sp>
         <p:nvSpPr>
-          <p:cNvPr id="73" name="Google Shape;73;g4eb79eb912_1_80:notes"/>
+          <p:cNvPr id="72" name="Google Shape;72;g4eb79eb912_1_80:notes"/>
           <p:cNvSpPr/>
           <p:nvPr>
             <p:ph idx="2" type="sldImg"/>
@@ -838,7 +838,7 @@
       </p:sp>
       <p:sp>
         <p:nvSpPr>
-          <p:cNvPr id="74" name="Google Shape;74;g4eb79eb912_1_80:notes"/>
+          <p:cNvPr id="73" name="Google Shape;73;g4eb79eb912_1_80:notes"/>
           <p:cNvSpPr txBox="1"/>
           <p:nvPr>
             <p:ph idx="1" type="body"/>
@@ -888,7 +888,7 @@
   <p:cSld>
     <p:spTree>
       <p:nvGrpSpPr>
-        <p:cNvPr id="80" name="Shape 80"/>
+        <p:cNvPr id="79" name="Shape 79"/>
         <p:cNvGrpSpPr/>
         <p:nvPr/>
       </p:nvGrpSpPr>
@@ -902,7 +902,7 @@
       </p:grpSpPr>
       <p:sp>
         <p:nvSpPr>
-          <p:cNvPr id="81" name="Google Shape;81;g54f4bec1b1_0_18:notes"/>
+          <p:cNvPr id="80" name="Google Shape;80;g54f4bec1b1_0_18:notes"/>
           <p:cNvSpPr/>
           <p:nvPr>
             <p:ph idx="2" type="sldImg"/>
@@ -937,7 +937,7 @@
       </p:sp>
       <p:sp>
         <p:nvSpPr>
-          <p:cNvPr id="82" name="Google Shape;82;g54f4bec1b1_0_18:notes"/>
+          <p:cNvPr id="81" name="Google Shape;81;g54f4bec1b1_0_18:notes"/>
           <p:cNvSpPr txBox="1"/>
           <p:nvPr>
             <p:ph idx="1" type="body"/>
@@ -987,7 +987,7 @@
   <p:cSld>
     <p:spTree>
       <p:nvGrpSpPr>
-        <p:cNvPr id="86" name="Shape 86"/>
+        <p:cNvPr id="85" name="Shape 85"/>
         <p:cNvGrpSpPr/>
         <p:nvPr/>
       </p:nvGrpSpPr>
@@ -1001,7 +1001,7 @@
       </p:grpSpPr>
       <p:sp>
         <p:nvSpPr>
-          <p:cNvPr id="87" name="Google Shape;87;g4eb79eb912_0_0:notes"/>
+          <p:cNvPr id="86" name="Google Shape;86;g4eb79eb912_0_0:notes"/>
           <p:cNvSpPr/>
           <p:nvPr>
             <p:ph idx="2" type="sldImg"/>
@@ -1036,7 +1036,7 @@
       </p:sp>
       <p:sp>
         <p:nvSpPr>
-          <p:cNvPr id="88" name="Google Shape;88;g4eb79eb912_0_0:notes"/>
+          <p:cNvPr id="87" name="Google Shape;87;g4eb79eb912_0_0:notes"/>
           <p:cNvSpPr txBox="1"/>
           <p:nvPr>
             <p:ph idx="1" type="body"/>
@@ -1086,7 +1086,7 @@
   <p:cSld>
     <p:spTree>
       <p:nvGrpSpPr>
-        <p:cNvPr id="93" name="Shape 93"/>
+        <p:cNvPr id="92" name="Shape 92"/>
         <p:cNvGrpSpPr/>
         <p:nvPr/>
       </p:nvGrpSpPr>
@@ -1100,7 +1100,7 @@
       </p:grpSpPr>
       <p:sp>
         <p:nvSpPr>
-          <p:cNvPr id="94" name="Google Shape;94;g529eba02a9_0_0:notes"/>
+          <p:cNvPr id="93" name="Google Shape;93;g529eba02a9_0_0:notes"/>
           <p:cNvSpPr/>
           <p:nvPr>
             <p:ph idx="2" type="sldImg"/>
@@ -1135,7 +1135,7 @@
       </p:sp>
       <p:sp>
         <p:nvSpPr>
-          <p:cNvPr id="95" name="Google Shape;95;g529eba02a9_0_0:notes"/>
+          <p:cNvPr id="94" name="Google Shape;94;g529eba02a9_0_0:notes"/>
           <p:cNvSpPr txBox="1"/>
           <p:nvPr>
             <p:ph idx="1" type="body"/>
@@ -1185,7 +1185,7 @@
   <p:cSld>
     <p:spTree>
       <p:nvGrpSpPr>
-        <p:cNvPr id="99" name="Shape 99"/>
+        <p:cNvPr id="98" name="Shape 98"/>
         <p:cNvGrpSpPr/>
         <p:nvPr/>
       </p:nvGrpSpPr>
@@ -1199,7 +1199,7 @@
       </p:grpSpPr>
       <p:sp>
         <p:nvSpPr>
-          <p:cNvPr id="100" name="Google Shape;100;g4cda9f5f62_3_10:notes"/>
+          <p:cNvPr id="99" name="Google Shape;99;g4cda9f5f62_3_10:notes"/>
           <p:cNvSpPr/>
           <p:nvPr>
             <p:ph idx="2" type="sldImg"/>
@@ -1234,7 +1234,7 @@
       </p:sp>
       <p:sp>
         <p:nvSpPr>
-          <p:cNvPr id="101" name="Google Shape;101;g4cda9f5f62_3_10:notes"/>
+          <p:cNvPr id="100" name="Google Shape;100;g4cda9f5f62_3_10:notes"/>
           <p:cNvSpPr txBox="1"/>
           <p:nvPr>
             <p:ph idx="1" type="body"/>
@@ -1284,7 +1284,7 @@
   <p:cSld>
     <p:spTree>
       <p:nvGrpSpPr>
-        <p:cNvPr id="106" name="Shape 106"/>
+        <p:cNvPr id="105" name="Shape 105"/>
         <p:cNvGrpSpPr/>
         <p:nvPr/>
       </p:nvGrpSpPr>
@@ -1298,7 +1298,7 @@
       </p:grpSpPr>
       <p:sp>
         <p:nvSpPr>
-          <p:cNvPr id="107" name="Google Shape;107;g4cda9f5f62_3_5:notes"/>
+          <p:cNvPr id="106" name="Google Shape;106;g4cda9f5f62_3_5:notes"/>
           <p:cNvSpPr/>
           <p:nvPr>
             <p:ph idx="2" type="sldImg"/>
@@ -1333,7 +1333,7 @@
       </p:sp>
       <p:sp>
         <p:nvSpPr>
-          <p:cNvPr id="108" name="Google Shape;108;g4cda9f5f62_3_5:notes"/>
+          <p:cNvPr id="107" name="Google Shape;107;g4cda9f5f62_3_5:notes"/>
           <p:cNvSpPr txBox="1"/>
           <p:nvPr>
             <p:ph idx="1" type="body"/>
@@ -1383,7 +1383,7 @@
   <p:cSld>
     <p:spTree>
       <p:nvGrpSpPr>
-        <p:cNvPr id="114" name="Shape 114"/>
+        <p:cNvPr id="113" name="Shape 113"/>
         <p:cNvGrpSpPr/>
         <p:nvPr/>
       </p:nvGrpSpPr>
@@ -1397,7 +1397,7 @@
       </p:grpSpPr>
       <p:sp>
         <p:nvSpPr>
-          <p:cNvPr id="115" name="Google Shape;115;g55b8242e08_1_0:notes"/>
+          <p:cNvPr id="114" name="Google Shape;114;g55b8242e08_1_0:notes"/>
           <p:cNvSpPr/>
           <p:nvPr>
             <p:ph idx="2" type="sldImg"/>
@@ -1432,7 +1432,7 @@
       </p:sp>
       <p:sp>
         <p:nvSpPr>
-          <p:cNvPr id="116" name="Google Shape;116;g55b8242e08_1_0:notes"/>
+          <p:cNvPr id="115" name="Google Shape;115;g55b8242e08_1_0:notes"/>
           <p:cNvSpPr txBox="1"/>
           <p:nvPr>
             <p:ph idx="1" type="body"/>
@@ -1482,7 +1482,7 @@
   <p:cSld>
     <p:spTree>
       <p:nvGrpSpPr>
-        <p:cNvPr id="120" name="Shape 120"/>
+        <p:cNvPr id="119" name="Shape 119"/>
         <p:cNvGrpSpPr/>
         <p:nvPr/>
       </p:nvGrpSpPr>
@@ -1496,7 +1496,7 @@
       </p:grpSpPr>
       <p:sp>
         <p:nvSpPr>
-          <p:cNvPr id="121" name="Google Shape;121;g55b8242e08_0_4:notes"/>
+          <p:cNvPr id="120" name="Google Shape;120;g55b8242e08_0_4:notes"/>
           <p:cNvSpPr/>
           <p:nvPr>
             <p:ph idx="2" type="sldImg"/>
@@ -1531,7 +1531,7 @@
       </p:sp>
       <p:sp>
         <p:nvSpPr>
-          <p:cNvPr id="122" name="Google Shape;122;g55b8242e08_0_4:notes"/>
+          <p:cNvPr id="121" name="Google Shape;121;g55b8242e08_0_4:notes"/>
           <p:cNvSpPr txBox="1"/>
           <p:nvPr>
             <p:ph idx="1" type="body"/>
@@ -7760,34 +7760,6 @@
           </a:p>
         </p:txBody>
       </p:sp>
-      <p:pic>
-        <p:nvPicPr>
-          <p:cNvPr id="71" name="Google Shape;71;p13"/>
-          <p:cNvPicPr preferRelativeResize="0"/>
-          <p:nvPr/>
-        </p:nvPicPr>
-        <p:blipFill>
-          <a:blip r:embed="rId3">
-            <a:alphaModFix/>
-          </a:blip>
-          <a:stretch>
-            <a:fillRect/>
-          </a:stretch>
-        </p:blipFill>
-        <p:spPr>
-          <a:xfrm>
-            <a:off x="4378750" y="288000"/>
-            <a:ext cx="4460450" cy="3401625"/>
-          </a:xfrm>
-          <a:prstGeom prst="rect">
-            <a:avLst/>
-          </a:prstGeom>
-          <a:noFill/>
-          <a:ln>
-            <a:noFill/>
-          </a:ln>
-        </p:spPr>
-      </p:pic>
     </p:spTree>
   </p:cSld>
   <p:clrMapOvr>
@@ -7801,7 +7773,7 @@
   <p:cSld>
     <p:spTree>
       <p:nvGrpSpPr>
-        <p:cNvPr id="75" name="Shape 75"/>
+        <p:cNvPr id="74" name="Shape 74"/>
         <p:cNvGrpSpPr/>
         <p:nvPr/>
       </p:nvGrpSpPr>
@@ -7815,7 +7787,7 @@
       </p:grpSpPr>
       <p:sp>
         <p:nvSpPr>
-          <p:cNvPr id="76" name="Google Shape;76;p14"/>
+          <p:cNvPr id="75" name="Google Shape;75;p14"/>
           <p:cNvSpPr txBox="1"/>
           <p:nvPr>
             <p:ph type="title"/>
@@ -7859,7 +7831,7 @@
       </p:sp>
       <p:sp>
         <p:nvSpPr>
-          <p:cNvPr id="77" name="Google Shape;77;p14"/>
+          <p:cNvPr id="76" name="Google Shape;76;p14"/>
           <p:cNvSpPr txBox="1"/>
           <p:nvPr/>
         </p:nvSpPr>
@@ -8125,7 +8097,7 @@
       </p:sp>
       <p:pic>
         <p:nvPicPr>
-          <p:cNvPr id="78" name="Google Shape;78;p14"/>
+          <p:cNvPr id="77" name="Google Shape;77;p14"/>
           <p:cNvPicPr preferRelativeResize="0"/>
           <p:nvPr/>
         </p:nvPicPr>
@@ -8153,7 +8125,7 @@
       </p:pic>
       <p:pic>
         <p:nvPicPr>
-          <p:cNvPr id="79" name="Google Shape;79;p14"/>
+          <p:cNvPr id="78" name="Google Shape;78;p14"/>
           <p:cNvPicPr preferRelativeResize="0"/>
           <p:nvPr/>
         </p:nvPicPr>
@@ -8192,7 +8164,7 @@
   <p:cSld>
     <p:spTree>
       <p:nvGrpSpPr>
-        <p:cNvPr id="83" name="Shape 83"/>
+        <p:cNvPr id="82" name="Shape 82"/>
         <p:cNvGrpSpPr/>
         <p:nvPr/>
       </p:nvGrpSpPr>
@@ -8206,7 +8178,7 @@
       </p:grpSpPr>
       <p:sp>
         <p:nvSpPr>
-          <p:cNvPr id="84" name="Google Shape;84;p15"/>
+          <p:cNvPr id="83" name="Google Shape;83;p15"/>
           <p:cNvSpPr txBox="1"/>
           <p:nvPr>
             <p:ph type="title"/>
@@ -8246,7 +8218,7 @@
       </p:sp>
       <p:pic>
         <p:nvPicPr>
-          <p:cNvPr id="85" name="Google Shape;85;p15"/>
+          <p:cNvPr id="84" name="Google Shape;84;p15"/>
           <p:cNvPicPr preferRelativeResize="0"/>
           <p:nvPr/>
         </p:nvPicPr>
@@ -8285,7 +8257,7 @@
   <p:cSld>
     <p:spTree>
       <p:nvGrpSpPr>
-        <p:cNvPr id="89" name="Shape 89"/>
+        <p:cNvPr id="88" name="Shape 88"/>
         <p:cNvGrpSpPr/>
         <p:nvPr/>
       </p:nvGrpSpPr>
@@ -8299,7 +8271,7 @@
       </p:grpSpPr>
       <p:sp>
         <p:nvSpPr>
-          <p:cNvPr id="90" name="Google Shape;90;p16"/>
+          <p:cNvPr id="89" name="Google Shape;89;p16"/>
           <p:cNvSpPr txBox="1"/>
           <p:nvPr>
             <p:ph type="title"/>
@@ -8343,7 +8315,7 @@
       </p:sp>
       <p:sp>
         <p:nvSpPr>
-          <p:cNvPr id="91" name="Google Shape;91;p16"/>
+          <p:cNvPr id="90" name="Google Shape;90;p16"/>
           <p:cNvSpPr txBox="1"/>
           <p:nvPr>
             <p:ph idx="4294967295" type="body"/>
@@ -8431,7 +8403,7 @@
       </p:sp>
       <p:pic>
         <p:nvPicPr>
-          <p:cNvPr id="92" name="Google Shape;92;p16"/>
+          <p:cNvPr id="91" name="Google Shape;91;p16"/>
           <p:cNvPicPr preferRelativeResize="0"/>
           <p:nvPr/>
         </p:nvPicPr>
@@ -8470,7 +8442,7 @@
   <p:cSld>
     <p:spTree>
       <p:nvGrpSpPr>
-        <p:cNvPr id="96" name="Shape 96"/>
+        <p:cNvPr id="95" name="Shape 95"/>
         <p:cNvGrpSpPr/>
         <p:nvPr/>
       </p:nvGrpSpPr>
@@ -8484,7 +8456,7 @@
       </p:grpSpPr>
       <p:sp>
         <p:nvSpPr>
-          <p:cNvPr id="97" name="Google Shape;97;p17"/>
+          <p:cNvPr id="96" name="Google Shape;96;p17"/>
           <p:cNvSpPr txBox="1"/>
           <p:nvPr>
             <p:ph type="title"/>
@@ -8524,7 +8496,7 @@
       </p:sp>
       <p:sp>
         <p:nvSpPr>
-          <p:cNvPr id="98" name="Google Shape;98;p17"/>
+          <p:cNvPr id="97" name="Google Shape;97;p17"/>
           <p:cNvSpPr txBox="1"/>
           <p:nvPr>
             <p:ph idx="1" type="body"/>
@@ -8639,7 +8611,7 @@
   <p:cSld>
     <p:spTree>
       <p:nvGrpSpPr>
-        <p:cNvPr id="102" name="Shape 102"/>
+        <p:cNvPr id="101" name="Shape 101"/>
         <p:cNvGrpSpPr/>
         <p:nvPr/>
       </p:nvGrpSpPr>
@@ -8653,7 +8625,7 @@
       </p:grpSpPr>
       <p:sp>
         <p:nvSpPr>
-          <p:cNvPr id="103" name="Google Shape;103;p18"/>
+          <p:cNvPr id="102" name="Google Shape;102;p18"/>
           <p:cNvSpPr txBox="1"/>
           <p:nvPr>
             <p:ph type="title"/>
@@ -8693,7 +8665,7 @@
       </p:sp>
       <p:sp>
         <p:nvSpPr>
-          <p:cNvPr id="104" name="Google Shape;104;p18"/>
+          <p:cNvPr id="103" name="Google Shape;103;p18"/>
           <p:cNvSpPr txBox="1"/>
           <p:nvPr>
             <p:ph idx="1" type="body"/>
@@ -8854,7 +8826,7 @@
       </p:sp>
       <p:pic>
         <p:nvPicPr>
-          <p:cNvPr id="105" name="Google Shape;105;p18"/>
+          <p:cNvPr id="104" name="Google Shape;104;p18"/>
           <p:cNvPicPr preferRelativeResize="0"/>
           <p:nvPr/>
         </p:nvPicPr>
@@ -8893,7 +8865,7 @@
   <p:cSld>
     <p:spTree>
       <p:nvGrpSpPr>
-        <p:cNvPr id="109" name="Shape 109"/>
+        <p:cNvPr id="108" name="Shape 108"/>
         <p:cNvGrpSpPr/>
         <p:nvPr/>
       </p:nvGrpSpPr>
@@ -8907,7 +8879,7 @@
       </p:grpSpPr>
       <p:sp>
         <p:nvSpPr>
-          <p:cNvPr id="110" name="Google Shape;110;p19"/>
+          <p:cNvPr id="109" name="Google Shape;109;p19"/>
           <p:cNvSpPr txBox="1"/>
           <p:nvPr>
             <p:ph type="title"/>
@@ -8947,7 +8919,7 @@
       </p:sp>
       <p:sp>
         <p:nvSpPr>
-          <p:cNvPr id="111" name="Google Shape;111;p19"/>
+          <p:cNvPr id="110" name="Google Shape;110;p19"/>
           <p:cNvSpPr txBox="1"/>
           <p:nvPr>
             <p:ph idx="1" type="body"/>
@@ -9065,7 +9037,7 @@
       </p:sp>
       <p:pic>
         <p:nvPicPr>
-          <p:cNvPr id="112" name="Google Shape;112;p19"/>
+          <p:cNvPr id="111" name="Google Shape;111;p19"/>
           <p:cNvPicPr preferRelativeResize="0"/>
           <p:nvPr/>
         </p:nvPicPr>
@@ -9093,7 +9065,7 @@
       </p:pic>
       <p:pic>
         <p:nvPicPr>
-          <p:cNvPr id="113" name="Google Shape;113;p19"/>
+          <p:cNvPr id="112" name="Google Shape;112;p19"/>
           <p:cNvPicPr preferRelativeResize="0"/>
           <p:nvPr/>
         </p:nvPicPr>
@@ -9132,7 +9104,7 @@
   <p:cSld>
     <p:spTree>
       <p:nvGrpSpPr>
-        <p:cNvPr id="117" name="Shape 117"/>
+        <p:cNvPr id="116" name="Shape 116"/>
         <p:cNvGrpSpPr/>
         <p:nvPr/>
       </p:nvGrpSpPr>
@@ -9146,7 +9118,7 @@
       </p:grpSpPr>
       <p:sp>
         <p:nvSpPr>
-          <p:cNvPr id="118" name="Google Shape;118;p20"/>
+          <p:cNvPr id="117" name="Google Shape;117;p20"/>
           <p:cNvSpPr txBox="1"/>
           <p:nvPr>
             <p:ph type="title"/>
@@ -9186,7 +9158,7 @@
       </p:sp>
       <p:sp>
         <p:nvSpPr>
-          <p:cNvPr id="119" name="Google Shape;119;p20"/>
+          <p:cNvPr id="118" name="Google Shape;118;p20"/>
           <p:cNvSpPr txBox="1"/>
           <p:nvPr>
             <p:ph idx="1" type="body"/>
@@ -9361,7 +9333,7 @@
   <p:cSld>
     <p:spTree>
       <p:nvGrpSpPr>
-        <p:cNvPr id="123" name="Shape 123"/>
+        <p:cNvPr id="122" name="Shape 122"/>
         <p:cNvGrpSpPr/>
         <p:nvPr/>
       </p:nvGrpSpPr>
@@ -9375,7 +9347,7 @@
       </p:grpSpPr>
       <p:sp>
         <p:nvSpPr>
-          <p:cNvPr id="124" name="Google Shape;124;p21"/>
+          <p:cNvPr id="123" name="Google Shape;123;p21"/>
           <p:cNvSpPr txBox="1"/>
           <p:nvPr>
             <p:ph type="title"/>
@@ -9415,7 +9387,7 @@
       </p:sp>
       <p:pic>
         <p:nvPicPr>
-          <p:cNvPr id="125" name="Google Shape;125;p21"/>
+          <p:cNvPr id="124" name="Google Shape;124;p21"/>
           <p:cNvPicPr preferRelativeResize="0"/>
           <p:nvPr/>
         </p:nvPicPr>
